--- a/04-CSS/04-CSS.pptx
+++ b/04-CSS/04-CSS.pptx
@@ -255,7 +255,7 @@
           <a:p>
             <a:fld id="{2E054F57-E93D-4CC3-8A27-2F256E70BB98}" type="datetimeFigureOut">
               <a:rPr lang="en-US" smtClean="0"/>
-              <a:t>5/22/2016</a:t>
+              <a:t>6/11/2016</a:t>
             </a:fld>
             <a:endParaRPr lang="en-US"/>
           </a:p>
@@ -704,7 +704,7 @@
           <a:p>
             <a:fld id="{3EA744D9-3FBE-48D8-BF2A-85DF203E4D20}" type="datetimeFigureOut">
               <a:rPr lang="bg-BG" smtClean="0"/>
-              <a:t>22.5.2016 г.</a:t>
+              <a:t>11.6.2016 г.</a:t>
             </a:fld>
             <a:endParaRPr lang="bg-BG"/>
           </a:p>
@@ -874,7 +874,7 @@
           <a:p>
             <a:fld id="{3EA744D9-3FBE-48D8-BF2A-85DF203E4D20}" type="datetimeFigureOut">
               <a:rPr lang="bg-BG" smtClean="0"/>
-              <a:t>22.5.2016 г.</a:t>
+              <a:t>11.6.2016 г.</a:t>
             </a:fld>
             <a:endParaRPr lang="bg-BG"/>
           </a:p>
@@ -1054,7 +1054,7 @@
           <a:p>
             <a:fld id="{3EA744D9-3FBE-48D8-BF2A-85DF203E4D20}" type="datetimeFigureOut">
               <a:rPr lang="bg-BG" smtClean="0"/>
-              <a:t>22.5.2016 г.</a:t>
+              <a:t>11.6.2016 г.</a:t>
             </a:fld>
             <a:endParaRPr lang="bg-BG"/>
           </a:p>
@@ -1224,7 +1224,7 @@
           <a:p>
             <a:fld id="{3EA744D9-3FBE-48D8-BF2A-85DF203E4D20}" type="datetimeFigureOut">
               <a:rPr lang="bg-BG" smtClean="0"/>
-              <a:t>22.5.2016 г.</a:t>
+              <a:t>11.6.2016 г.</a:t>
             </a:fld>
             <a:endParaRPr lang="bg-BG"/>
           </a:p>
@@ -1470,7 +1470,7 @@
           <a:p>
             <a:fld id="{3EA744D9-3FBE-48D8-BF2A-85DF203E4D20}" type="datetimeFigureOut">
               <a:rPr lang="bg-BG" smtClean="0"/>
-              <a:t>22.5.2016 г.</a:t>
+              <a:t>11.6.2016 г.</a:t>
             </a:fld>
             <a:endParaRPr lang="bg-BG"/>
           </a:p>
@@ -1758,7 +1758,7 @@
           <a:p>
             <a:fld id="{3EA744D9-3FBE-48D8-BF2A-85DF203E4D20}" type="datetimeFigureOut">
               <a:rPr lang="bg-BG" smtClean="0"/>
-              <a:t>22.5.2016 г.</a:t>
+              <a:t>11.6.2016 г.</a:t>
             </a:fld>
             <a:endParaRPr lang="bg-BG"/>
           </a:p>
@@ -2180,7 +2180,7 @@
           <a:p>
             <a:fld id="{3EA744D9-3FBE-48D8-BF2A-85DF203E4D20}" type="datetimeFigureOut">
               <a:rPr lang="bg-BG" smtClean="0"/>
-              <a:t>22.5.2016 г.</a:t>
+              <a:t>11.6.2016 г.</a:t>
             </a:fld>
             <a:endParaRPr lang="bg-BG"/>
           </a:p>
@@ -2298,7 +2298,7 @@
           <a:p>
             <a:fld id="{3EA744D9-3FBE-48D8-BF2A-85DF203E4D20}" type="datetimeFigureOut">
               <a:rPr lang="bg-BG" smtClean="0"/>
-              <a:t>22.5.2016 г.</a:t>
+              <a:t>11.6.2016 г.</a:t>
             </a:fld>
             <a:endParaRPr lang="bg-BG"/>
           </a:p>
@@ -2393,7 +2393,7 @@
           <a:p>
             <a:fld id="{3EA744D9-3FBE-48D8-BF2A-85DF203E4D20}" type="datetimeFigureOut">
               <a:rPr lang="bg-BG" smtClean="0"/>
-              <a:t>22.5.2016 г.</a:t>
+              <a:t>11.6.2016 г.</a:t>
             </a:fld>
             <a:endParaRPr lang="bg-BG"/>
           </a:p>
@@ -2670,7 +2670,7 @@
           <a:p>
             <a:fld id="{3EA744D9-3FBE-48D8-BF2A-85DF203E4D20}" type="datetimeFigureOut">
               <a:rPr lang="bg-BG" smtClean="0"/>
-              <a:t>22.5.2016 г.</a:t>
+              <a:t>11.6.2016 г.</a:t>
             </a:fld>
             <a:endParaRPr lang="bg-BG"/>
           </a:p>
@@ -2923,7 +2923,7 @@
           <a:p>
             <a:fld id="{3EA744D9-3FBE-48D8-BF2A-85DF203E4D20}" type="datetimeFigureOut">
               <a:rPr lang="bg-BG" smtClean="0"/>
-              <a:t>22.5.2016 г.</a:t>
+              <a:t>11.6.2016 г.</a:t>
             </a:fld>
             <a:endParaRPr lang="bg-BG"/>
           </a:p>
@@ -3145,7 +3145,7 @@
           <a:p>
             <a:fld id="{3EA744D9-3FBE-48D8-BF2A-85DF203E4D20}" type="datetimeFigureOut">
               <a:rPr lang="bg-BG" smtClean="0"/>
-              <a:t>22.5.2016 г.</a:t>
+              <a:t>11.6.2016 г.</a:t>
             </a:fld>
             <a:endParaRPr lang="bg-BG"/>
           </a:p>
@@ -3936,15 +3936,7 @@
                   <a:schemeClr val="accent6"/>
                 </a:solidFill>
               </a:rPr>
-              <a:t>CSS </a:t>
-            </a:r>
-            <a:r>
-              <a:rPr lang="en-US" dirty="0" smtClean="0">
-                <a:solidFill>
-                  <a:schemeClr val="accent6"/>
-                </a:solidFill>
-              </a:rPr>
-              <a:t>–</a:t>
+              <a:t>CSS –</a:t>
             </a:r>
             <a:r>
               <a:rPr lang="bg-BG" dirty="0" smtClean="0">
@@ -4187,11 +4179,6 @@
               </a:rPr>
               <a:t>мерни единици</a:t>
             </a:r>
-            <a:endParaRPr lang="bg-BG" dirty="0">
-              <a:solidFill>
-                <a:schemeClr val="accent6"/>
-              </a:solidFill>
-            </a:endParaRPr>
           </a:p>
         </p:txBody>
       </p:sp>
@@ -9789,7 +9776,7 @@
         </p:spPr>
         <p:txBody>
           <a:bodyPr>
-            <a:normAutofit fontScale="92500" lnSpcReduction="20000"/>
+            <a:normAutofit/>
           </a:bodyPr>
           <a:lstStyle/>
           <a:p>
@@ -9834,8 +9821,13 @@
                   </a:schemeClr>
                 </a:solidFill>
               </a:rPr>
-              <a:t>task1.jpg, </a:t>
-            </a:r>
+              <a:t>task1.jpg</a:t>
+            </a:r>
+          </a:p>
+          <a:p>
+            <a:pPr marL="457200" indent="-457200">
+              <a:buAutoNum type="arabicPeriod"/>
+            </a:pPr>
             <a:r>
               <a:rPr lang="bg-BG" sz="2000" dirty="0" smtClean="0">
                 <a:solidFill>
@@ -9844,13 +9836,8 @@
                   </a:schemeClr>
                 </a:solidFill>
               </a:rPr>
-              <a:t>като използвате елементи по избор(таблици, дивове, секции и т.н.)</a:t>
-            </a:r>
-          </a:p>
-          <a:p>
-            <a:pPr marL="457200" indent="-457200">
-              <a:buAutoNum type="arabicPeriod"/>
-            </a:pPr>
+              <a:t>Създайте </a:t>
+            </a:r>
             <a:r>
               <a:rPr lang="bg-BG" sz="2000" dirty="0" smtClean="0">
                 <a:solidFill>
@@ -9859,7 +9846,7 @@
                   </a:schemeClr>
                 </a:solidFill>
               </a:rPr>
-              <a:t>Създайте страница, подобна на тази във файла </a:t>
+              <a:t>страница, подобна на тази във файла </a:t>
             </a:r>
             <a:r>
               <a:rPr lang="en-US" sz="2000" dirty="0" smtClean="0">
@@ -10002,47 +9989,27 @@
                   </a:schemeClr>
                 </a:solidFill>
               </a:rPr>
-              <a:t>като </a:t>
-            </a:r>
-            <a:r>
-              <a:rPr lang="bg-BG" sz="2000" dirty="0" smtClean="0">
+              <a:t>като плейърът</a:t>
+            </a:r>
+            <a:r>
+              <a:rPr lang="en-US" sz="2000" dirty="0" smtClean="0">
                 <a:solidFill>
                   <a:schemeClr val="bg1">
                     <a:lumMod val="95000"/>
                   </a:schemeClr>
                 </a:solidFill>
               </a:rPr>
-              <a:t>плейърът</a:t>
-            </a:r>
-            <a:r>
-              <a:rPr lang="en-US" sz="2000" dirty="0" smtClean="0">
+              <a:t> </a:t>
+            </a:r>
+            <a:r>
+              <a:rPr lang="bg-BG" sz="2000" dirty="0" smtClean="0">
                 <a:solidFill>
                   <a:schemeClr val="bg1">
                     <a:lumMod val="95000"/>
                   </a:schemeClr>
                 </a:solidFill>
               </a:rPr>
-              <a:t> </a:t>
-            </a:r>
-            <a:r>
-              <a:rPr lang="bg-BG" sz="2000" dirty="0" smtClean="0">
-                <a:solidFill>
-                  <a:schemeClr val="bg1">
-                    <a:lumMod val="95000"/>
-                  </a:schemeClr>
-                </a:solidFill>
-              </a:rPr>
-              <a:t>не </a:t>
-            </a:r>
-            <a:r>
-              <a:rPr lang="bg-BG" sz="2000" dirty="0" smtClean="0">
-                <a:solidFill>
-                  <a:schemeClr val="bg1">
-                    <a:lumMod val="95000"/>
-                  </a:schemeClr>
-                </a:solidFill>
-              </a:rPr>
-              <a:t>трябва да бъде функционален</a:t>
+              <a:t>не трябва да бъде функционален</a:t>
             </a:r>
           </a:p>
           <a:p>
@@ -10164,244 +10131,27 @@
                   </a:schemeClr>
                 </a:solidFill>
               </a:rPr>
-              <a:t>Създайте страница-калкулатор, подобна на тази във файла </a:t>
-            </a:r>
-            <a:r>
-              <a:rPr lang="en-US" sz="2000" dirty="0" smtClean="0">
+              <a:t>Създайте </a:t>
+            </a:r>
+            <a:r>
+              <a:rPr lang="bg-BG" sz="2000" dirty="0" smtClean="0">
                 <a:solidFill>
                   <a:schemeClr val="bg1">
                     <a:lumMod val="95000"/>
                   </a:schemeClr>
                 </a:solidFill>
               </a:rPr>
-              <a:t>04-CSS-Tasks</a:t>
-            </a:r>
-            <a:r>
-              <a:rPr lang="bg-BG" sz="2000" dirty="0" smtClean="0">
+              <a:t>страница, подобна на тази във файла 04-</a:t>
+            </a:r>
+            <a:r>
+              <a:rPr lang="en-US" sz="2000" smtClean="0">
                 <a:solidFill>
                   <a:schemeClr val="bg1">
                     <a:lumMod val="95000"/>
                   </a:schemeClr>
                 </a:solidFill>
               </a:rPr>
-              <a:t>/</a:t>
-            </a:r>
-            <a:r>
-              <a:rPr lang="en-US" sz="2000" dirty="0" smtClean="0">
-                <a:solidFill>
-                  <a:schemeClr val="bg1">
-                    <a:lumMod val="95000"/>
-                  </a:schemeClr>
-                </a:solidFill>
-              </a:rPr>
-              <a:t>task</a:t>
-            </a:r>
-            <a:r>
-              <a:rPr lang="bg-BG" sz="2000" dirty="0" smtClean="0">
-                <a:solidFill>
-                  <a:schemeClr val="bg1">
-                    <a:lumMod val="95000"/>
-                  </a:schemeClr>
-                </a:solidFill>
-              </a:rPr>
-              <a:t>5.</a:t>
-            </a:r>
-            <a:r>
-              <a:rPr lang="en-US" sz="2000" dirty="0" err="1" smtClean="0">
-                <a:solidFill>
-                  <a:schemeClr val="bg1">
-                    <a:lumMod val="95000"/>
-                  </a:schemeClr>
-                </a:solidFill>
-              </a:rPr>
-              <a:t>png</a:t>
-            </a:r>
-            <a:r>
-              <a:rPr lang="bg-BG" sz="2000" dirty="0" smtClean="0">
-                <a:solidFill>
-                  <a:schemeClr val="bg1">
-                    <a:lumMod val="95000"/>
-                  </a:schemeClr>
-                </a:solidFill>
-              </a:rPr>
-              <a:t>. </a:t>
-            </a:r>
-            <a:r>
-              <a:rPr lang="en-US" sz="2000" dirty="0">
-                <a:solidFill>
-                  <a:schemeClr val="bg1">
-                    <a:lumMod val="95000"/>
-                  </a:schemeClr>
-                </a:solidFill>
-              </a:rPr>
-              <a:t>	</a:t>
-            </a:r>
-            <a:r>
-              <a:rPr lang="en-US" sz="2000" dirty="0" smtClean="0">
-                <a:solidFill>
-                  <a:schemeClr val="bg1">
-                    <a:lumMod val="95000"/>
-                  </a:schemeClr>
-                </a:solidFill>
-              </a:rPr>
-              <a:t>					</a:t>
-            </a:r>
-            <a:r>
-              <a:rPr lang="bg-BG" sz="2000" dirty="0" smtClean="0">
-                <a:solidFill>
-                  <a:schemeClr val="bg1">
-                    <a:lumMod val="95000"/>
-                  </a:schemeClr>
-                </a:solidFill>
-              </a:rPr>
-              <a:t>*</a:t>
-            </a:r>
-            <a:r>
-              <a:rPr lang="en-US" sz="2000" dirty="0" smtClean="0">
-                <a:solidFill>
-                  <a:schemeClr val="bg1">
-                    <a:lumMod val="95000"/>
-                  </a:schemeClr>
-                </a:solidFill>
-              </a:rPr>
-              <a:t>hint: </a:t>
-            </a:r>
-            <a:r>
-              <a:rPr lang="bg-BG" sz="2000" dirty="0" smtClean="0">
-                <a:solidFill>
-                  <a:schemeClr val="bg1">
-                    <a:lumMod val="95000"/>
-                  </a:schemeClr>
-                </a:solidFill>
-              </a:rPr>
-              <a:t>бутоните са елементи </a:t>
-            </a:r>
-            <a:r>
-              <a:rPr lang="en-US" sz="2000" dirty="0" smtClean="0">
-                <a:solidFill>
-                  <a:schemeClr val="bg1">
-                    <a:lumMod val="95000"/>
-                  </a:schemeClr>
-                </a:solidFill>
-              </a:rPr>
-              <a:t>&lt;button&gt; </a:t>
-            </a:r>
-            <a:r>
-              <a:rPr lang="bg-BG" sz="2000" dirty="0" smtClean="0">
-                <a:solidFill>
-                  <a:schemeClr val="bg1">
-                    <a:lumMod val="95000"/>
-                  </a:schemeClr>
-                </a:solidFill>
-              </a:rPr>
-              <a:t>или </a:t>
-            </a:r>
-            <a:r>
-              <a:rPr lang="en-US" sz="2000" dirty="0" smtClean="0">
-                <a:solidFill>
-                  <a:schemeClr val="bg1">
-                    <a:lumMod val="95000"/>
-                  </a:schemeClr>
-                </a:solidFill>
-              </a:rPr>
-              <a:t>&lt;input type=“button”&gt;</a:t>
-            </a:r>
-            <a:endParaRPr lang="bg-BG" sz="2000" dirty="0" smtClean="0">
-              <a:solidFill>
-                <a:schemeClr val="bg1">
-                  <a:lumMod val="95000"/>
-                </a:schemeClr>
-              </a:solidFill>
-            </a:endParaRPr>
-          </a:p>
-          <a:p>
-            <a:pPr marL="457200" indent="-457200">
-              <a:buFont typeface="Arial" panose="020B0604020202020204" pitchFamily="34" charset="0"/>
-              <a:buAutoNum type="arabicPeriod"/>
-            </a:pPr>
-            <a:r>
-              <a:rPr lang="bg-BG" sz="2000" dirty="0" smtClean="0">
-                <a:solidFill>
-                  <a:schemeClr val="bg1">
-                    <a:lumMod val="95000"/>
-                  </a:schemeClr>
-                </a:solidFill>
-              </a:rPr>
-              <a:t>Създайте страница, подобна на тази във файла 04-</a:t>
-            </a:r>
-            <a:r>
-              <a:rPr lang="en-US" sz="2000" dirty="0" smtClean="0">
-                <a:solidFill>
-                  <a:schemeClr val="bg1">
-                    <a:lumMod val="95000"/>
-                  </a:schemeClr>
-                </a:solidFill>
-              </a:rPr>
-              <a:t>CSS-Tasks/task6.png</a:t>
-            </a:r>
-            <a:endParaRPr lang="bg-BG" sz="2000" dirty="0" smtClean="0">
-              <a:solidFill>
-                <a:schemeClr val="bg1">
-                  <a:lumMod val="95000"/>
-                </a:schemeClr>
-              </a:solidFill>
-            </a:endParaRPr>
-          </a:p>
-          <a:p>
-            <a:pPr marL="0" indent="0">
-              <a:buNone/>
-            </a:pPr>
-            <a:endParaRPr lang="bg-BG" sz="2000" dirty="0" smtClean="0">
-              <a:solidFill>
-                <a:schemeClr val="bg1">
-                  <a:lumMod val="95000"/>
-                </a:schemeClr>
-              </a:solidFill>
-            </a:endParaRPr>
-          </a:p>
-          <a:p>
-            <a:pPr marL="0" indent="0">
-              <a:buNone/>
-            </a:pPr>
-            <a:r>
-              <a:rPr lang="bg-BG" sz="2000" b="1" dirty="0">
-                <a:solidFill>
-                  <a:schemeClr val="bg1">
-                    <a:lumMod val="95000"/>
-                  </a:schemeClr>
-                </a:solidFill>
-              </a:rPr>
-              <a:t>Когато сте готови с всички задачи, ги качвате в </a:t>
-            </a:r>
-            <a:r>
-              <a:rPr lang="en-US" sz="2000" b="1" dirty="0">
-                <a:solidFill>
-                  <a:schemeClr val="bg1">
-                    <a:lumMod val="95000"/>
-                  </a:schemeClr>
-                </a:solidFill>
-              </a:rPr>
-              <a:t>GitHub </a:t>
-            </a:r>
-            <a:r>
-              <a:rPr lang="bg-BG" sz="2000" b="1" dirty="0">
-                <a:solidFill>
-                  <a:schemeClr val="bg1">
-                    <a:lumMod val="95000"/>
-                  </a:schemeClr>
-                </a:solidFill>
-              </a:rPr>
-              <a:t>и ми пращате линк</a:t>
-            </a:r>
-            <a:r>
-              <a:rPr lang="bg-BG" sz="2000" b="1" dirty="0" smtClean="0">
-                <a:solidFill>
-                  <a:schemeClr val="bg1">
-                    <a:lumMod val="95000"/>
-                  </a:schemeClr>
-                </a:solidFill>
-              </a:rPr>
-              <a:t>.</a:t>
+              <a:t>CSS-Tasks/task5.png</a:t>
             </a:r>
             <a:endParaRPr lang="bg-BG" sz="2000" dirty="0" smtClean="0">
               <a:solidFill>
@@ -10542,15 +10292,7 @@
                   <a:schemeClr val="bg1"/>
                 </a:solidFill>
               </a:rPr>
-              <a:t>CSS – Cascading Style </a:t>
-            </a:r>
-            <a:r>
-              <a:rPr lang="en-US" dirty="0" smtClean="0">
-                <a:solidFill>
-                  <a:schemeClr val="bg1"/>
-                </a:solidFill>
-              </a:rPr>
-              <a:t>Sheets</a:t>
+              <a:t>CSS – Cascading Style Sheets</a:t>
             </a:r>
             <a:endParaRPr lang="bg-BG" dirty="0" smtClean="0">
               <a:solidFill>
@@ -10908,11 +10650,6 @@
               </a:rPr>
               <a:t>синтаксис</a:t>
             </a:r>
-            <a:endParaRPr lang="bg-BG" dirty="0">
-              <a:solidFill>
-                <a:schemeClr val="accent6"/>
-              </a:solidFill>
-            </a:endParaRPr>
           </a:p>
         </p:txBody>
       </p:sp>
@@ -12458,11 +12195,6 @@
               </a:rPr>
               <a:t>селектори</a:t>
             </a:r>
-            <a:endParaRPr lang="bg-BG" dirty="0">
-              <a:solidFill>
-                <a:schemeClr val="accent6"/>
-              </a:solidFill>
-            </a:endParaRPr>
           </a:p>
         </p:txBody>
       </p:sp>
